--- a/PROGE2.pptx
+++ b/PROGE2.pptx
@@ -9,13 +9,14 @@
     <p:sldId id="263" r:id="rId3"/>
     <p:sldId id="264" r:id="rId4"/>
     <p:sldId id="265" r:id="rId5"/>
-    <p:sldId id="257" r:id="rId6"/>
-    <p:sldId id="258" r:id="rId7"/>
-    <p:sldId id="259" r:id="rId8"/>
-    <p:sldId id="260" r:id="rId9"/>
-    <p:sldId id="266" r:id="rId10"/>
-    <p:sldId id="261" r:id="rId11"/>
-    <p:sldId id="262" r:id="rId12"/>
+    <p:sldId id="268" r:id="rId6"/>
+    <p:sldId id="257" r:id="rId7"/>
+    <p:sldId id="258" r:id="rId8"/>
+    <p:sldId id="259" r:id="rId9"/>
+    <p:sldId id="260" r:id="rId10"/>
+    <p:sldId id="266" r:id="rId11"/>
+    <p:sldId id="261" r:id="rId12"/>
+    <p:sldId id="262" r:id="rId13"/>
   </p:sldIdLst>
   <p:sldSz cx="12192000" cy="6858000"/>
   <p:notesSz cx="6858000" cy="9144000"/>
@@ -369,7 +370,7 @@
           <a:p>
             <a:fld id="{A993FFA3-0D8D-4D11-850A-8B91D32DDEB0}" type="datetimeFigureOut">
               <a:rPr lang="it-IT" smtClean="0"/>
-              <a:t>18/04/2020</a:t>
+              <a:t>05/06/2020</a:t>
             </a:fld>
             <a:endParaRPr lang="it-IT"/>
           </a:p>
@@ -567,7 +568,7 @@
           <a:p>
             <a:fld id="{A993FFA3-0D8D-4D11-850A-8B91D32DDEB0}" type="datetimeFigureOut">
               <a:rPr lang="it-IT" smtClean="0"/>
-              <a:t>18/04/2020</a:t>
+              <a:t>05/06/2020</a:t>
             </a:fld>
             <a:endParaRPr lang="it-IT"/>
           </a:p>
@@ -775,7 +776,7 @@
           <a:p>
             <a:fld id="{A993FFA3-0D8D-4D11-850A-8B91D32DDEB0}" type="datetimeFigureOut">
               <a:rPr lang="it-IT" smtClean="0"/>
-              <a:t>18/04/2020</a:t>
+              <a:t>05/06/2020</a:t>
             </a:fld>
             <a:endParaRPr lang="it-IT"/>
           </a:p>
@@ -973,7 +974,7 @@
           <a:p>
             <a:fld id="{A993FFA3-0D8D-4D11-850A-8B91D32DDEB0}" type="datetimeFigureOut">
               <a:rPr lang="it-IT" smtClean="0"/>
-              <a:t>18/04/2020</a:t>
+              <a:t>05/06/2020</a:t>
             </a:fld>
             <a:endParaRPr lang="it-IT"/>
           </a:p>
@@ -1248,7 +1249,7 @@
           <a:p>
             <a:fld id="{A993FFA3-0D8D-4D11-850A-8B91D32DDEB0}" type="datetimeFigureOut">
               <a:rPr lang="it-IT" smtClean="0"/>
-              <a:t>18/04/2020</a:t>
+              <a:t>05/06/2020</a:t>
             </a:fld>
             <a:endParaRPr lang="it-IT"/>
           </a:p>
@@ -1513,7 +1514,7 @@
           <a:p>
             <a:fld id="{A993FFA3-0D8D-4D11-850A-8B91D32DDEB0}" type="datetimeFigureOut">
               <a:rPr lang="it-IT" smtClean="0"/>
-              <a:t>18/04/2020</a:t>
+              <a:t>05/06/2020</a:t>
             </a:fld>
             <a:endParaRPr lang="it-IT"/>
           </a:p>
@@ -1925,7 +1926,7 @@
           <a:p>
             <a:fld id="{A993FFA3-0D8D-4D11-850A-8B91D32DDEB0}" type="datetimeFigureOut">
               <a:rPr lang="it-IT" smtClean="0"/>
-              <a:t>18/04/2020</a:t>
+              <a:t>05/06/2020</a:t>
             </a:fld>
             <a:endParaRPr lang="it-IT"/>
           </a:p>
@@ -2066,7 +2067,7 @@
           <a:p>
             <a:fld id="{A993FFA3-0D8D-4D11-850A-8B91D32DDEB0}" type="datetimeFigureOut">
               <a:rPr lang="it-IT" smtClean="0"/>
-              <a:t>18/04/2020</a:t>
+              <a:t>05/06/2020</a:t>
             </a:fld>
             <a:endParaRPr lang="it-IT"/>
           </a:p>
@@ -2179,7 +2180,7 @@
           <a:p>
             <a:fld id="{A993FFA3-0D8D-4D11-850A-8B91D32DDEB0}" type="datetimeFigureOut">
               <a:rPr lang="it-IT" smtClean="0"/>
-              <a:t>18/04/2020</a:t>
+              <a:t>05/06/2020</a:t>
             </a:fld>
             <a:endParaRPr lang="it-IT"/>
           </a:p>
@@ -2490,7 +2491,7 @@
           <a:p>
             <a:fld id="{A993FFA3-0D8D-4D11-850A-8B91D32DDEB0}" type="datetimeFigureOut">
               <a:rPr lang="it-IT" smtClean="0"/>
-              <a:t>18/04/2020</a:t>
+              <a:t>05/06/2020</a:t>
             </a:fld>
             <a:endParaRPr lang="it-IT"/>
           </a:p>
@@ -2778,7 +2779,7 @@
           <a:p>
             <a:fld id="{A993FFA3-0D8D-4D11-850A-8B91D32DDEB0}" type="datetimeFigureOut">
               <a:rPr lang="it-IT" smtClean="0"/>
-              <a:t>18/04/2020</a:t>
+              <a:t>05/06/2020</a:t>
             </a:fld>
             <a:endParaRPr lang="it-IT"/>
           </a:p>
@@ -3019,7 +3020,7 @@
           <a:p>
             <a:fld id="{A993FFA3-0D8D-4D11-850A-8B91D32DDEB0}" type="datetimeFigureOut">
               <a:rPr lang="it-IT" smtClean="0"/>
-              <a:t>18/04/2020</a:t>
+              <a:t>05/06/2020</a:t>
             </a:fld>
             <a:endParaRPr lang="it-IT"/>
           </a:p>
@@ -3499,6 +3500,203 @@
       </p:grpSpPr>
       <p:sp>
         <p:nvSpPr>
+          <p:cNvPr id="4" name="CasellaDiTesto 3">
+            <a:extLst>
+              <a:ext uri="{FF2B5EF4-FFF2-40B4-BE49-F238E27FC236}">
+                <a16:creationId xmlns:a16="http://schemas.microsoft.com/office/drawing/2014/main" id="{72007BC2-D1F3-46BE-805A-EB84BB1D6A9A}"/>
+              </a:ext>
+            </a:extLst>
+          </p:cNvPr>
+          <p:cNvSpPr txBox="1"/>
+          <p:nvPr/>
+        </p:nvSpPr>
+        <p:spPr>
+          <a:xfrm>
+            <a:off x="2941163" y="641023"/>
+            <a:ext cx="5901179" cy="461665"/>
+          </a:xfrm>
+          <a:prstGeom prst="rect">
+            <a:avLst/>
+          </a:prstGeom>
+          <a:noFill/>
+        </p:spPr>
+        <p:txBody>
+          <a:bodyPr wrap="square" rtlCol="0">
+            <a:spAutoFit/>
+          </a:bodyPr>
+          <a:lstStyle/>
+          <a:p>
+            <a:r>
+              <a:rPr lang="it-IT" sz="2400" dirty="0">
+                <a:latin typeface="Aharoni" panose="02010803020104030203" pitchFamily="2" charset="-79"/>
+                <a:cs typeface="Aharoni" panose="02010803020104030203" pitchFamily="2" charset="-79"/>
+              </a:rPr>
+              <a:t>HA CLICCATO LASCIA UNA RECENSIONE </a:t>
+            </a:r>
+          </a:p>
+        </p:txBody>
+      </p:sp>
+      <p:sp>
+        <p:nvSpPr>
+          <p:cNvPr id="5" name="Rettangolo 4">
+            <a:extLst>
+              <a:ext uri="{FF2B5EF4-FFF2-40B4-BE49-F238E27FC236}">
+                <a16:creationId xmlns:a16="http://schemas.microsoft.com/office/drawing/2014/main" id="{850CFCFE-1278-469B-9369-3C204F4D0C33}"/>
+              </a:ext>
+            </a:extLst>
+          </p:cNvPr>
+          <p:cNvSpPr/>
+          <p:nvPr/>
+        </p:nvSpPr>
+        <p:spPr>
+          <a:xfrm>
+            <a:off x="3996965" y="1866507"/>
+            <a:ext cx="2828041" cy="1065229"/>
+          </a:xfrm>
+          <a:prstGeom prst="rect">
+            <a:avLst/>
+          </a:prstGeom>
+        </p:spPr>
+        <p:style>
+          <a:lnRef idx="2">
+            <a:schemeClr val="dk1"/>
+          </a:lnRef>
+          <a:fillRef idx="1">
+            <a:schemeClr val="lt1"/>
+          </a:fillRef>
+          <a:effectRef idx="0">
+            <a:schemeClr val="dk1"/>
+          </a:effectRef>
+          <a:fontRef idx="minor">
+            <a:schemeClr val="dk1"/>
+          </a:fontRef>
+        </p:style>
+        <p:txBody>
+          <a:bodyPr rtlCol="0" anchor="ctr"/>
+          <a:lstStyle/>
+          <a:p>
+            <a:pPr algn="ctr"/>
+            <a:r>
+              <a:rPr lang="it-IT" sz="4400" dirty="0">
+                <a:latin typeface="Aharoni" panose="02010803020104030203" pitchFamily="2" charset="-79"/>
+                <a:cs typeface="Aharoni" panose="02010803020104030203" pitchFamily="2" charset="-79"/>
+              </a:rPr>
+              <a:t>0</a:t>
+            </a:r>
+          </a:p>
+        </p:txBody>
+      </p:sp>
+      <p:sp>
+        <p:nvSpPr>
+          <p:cNvPr id="6" name="Fusione 5">
+            <a:extLst>
+              <a:ext uri="{FF2B5EF4-FFF2-40B4-BE49-F238E27FC236}">
+                <a16:creationId xmlns:a16="http://schemas.microsoft.com/office/drawing/2014/main" id="{F254C32E-C281-4674-9F94-DE7AFCBCCA65}"/>
+              </a:ext>
+            </a:extLst>
+          </p:cNvPr>
+          <p:cNvSpPr/>
+          <p:nvPr/>
+        </p:nvSpPr>
+        <p:spPr>
+          <a:xfrm>
+            <a:off x="6928701" y="1866507"/>
+            <a:ext cx="1432874" cy="1065229"/>
+          </a:xfrm>
+          <a:prstGeom prst="flowChartMerge">
+            <a:avLst/>
+          </a:prstGeom>
+        </p:spPr>
+        <p:style>
+          <a:lnRef idx="2">
+            <a:schemeClr val="dk1"/>
+          </a:lnRef>
+          <a:fillRef idx="1">
+            <a:schemeClr val="lt1"/>
+          </a:fillRef>
+          <a:effectRef idx="0">
+            <a:schemeClr val="dk1"/>
+          </a:effectRef>
+          <a:fontRef idx="minor">
+            <a:schemeClr val="dk1"/>
+          </a:fontRef>
+        </p:style>
+        <p:txBody>
+          <a:bodyPr rtlCol="0" anchor="ctr"/>
+          <a:lstStyle/>
+          <a:p>
+            <a:pPr algn="ctr"/>
+            <a:endParaRPr lang="it-IT"/>
+          </a:p>
+        </p:txBody>
+      </p:sp>
+      <p:sp>
+        <p:nvSpPr>
+          <p:cNvPr id="7" name="CasellaDiTesto 6">
+            <a:extLst>
+              <a:ext uri="{FF2B5EF4-FFF2-40B4-BE49-F238E27FC236}">
+                <a16:creationId xmlns:a16="http://schemas.microsoft.com/office/drawing/2014/main" id="{120CEB32-AA3F-4D8A-AE78-C3D86A12D396}"/>
+              </a:ext>
+            </a:extLst>
+          </p:cNvPr>
+          <p:cNvSpPr txBox="1"/>
+          <p:nvPr/>
+        </p:nvSpPr>
+        <p:spPr>
+          <a:xfrm>
+            <a:off x="3572759" y="3355942"/>
+            <a:ext cx="4873657" cy="1200329"/>
+          </a:xfrm>
+          <a:prstGeom prst="rect">
+            <a:avLst/>
+          </a:prstGeom>
+          <a:noFill/>
+        </p:spPr>
+        <p:txBody>
+          <a:bodyPr wrap="square" rtlCol="0">
+            <a:spAutoFit/>
+          </a:bodyPr>
+          <a:lstStyle/>
+          <a:p>
+            <a:r>
+              <a:rPr lang="it-IT" sz="2400" dirty="0"/>
+              <a:t>Cliccando la freccia si potrà scegliere un voto da 0 a 10 da assegnare all’utente che ha offerto il viaggio</a:t>
+            </a:r>
+          </a:p>
+        </p:txBody>
+      </p:sp>
+    </p:spTree>
+    <p:extLst>
+      <p:ext uri="{BB962C8B-B14F-4D97-AF65-F5344CB8AC3E}">
+        <p14:creationId xmlns:p14="http://schemas.microsoft.com/office/powerpoint/2010/main" val="2253316128"/>
+      </p:ext>
+    </p:extLst>
+  </p:cSld>
+  <p:clrMapOvr>
+    <a:masterClrMapping/>
+  </p:clrMapOvr>
+</p:sld>
+</file>
+
+<file path=ppt/slides/slide11.xml><?xml version="1.0" encoding="utf-8"?>
+<p:sld xmlns:a="http://schemas.openxmlformats.org/drawingml/2006/main" xmlns:r="http://schemas.openxmlformats.org/officeDocument/2006/relationships" xmlns:p="http://schemas.openxmlformats.org/presentationml/2006/main">
+  <p:cSld>
+    <p:spTree>
+      <p:nvGrpSpPr>
+        <p:cNvPr id="1" name=""/>
+        <p:cNvGrpSpPr/>
+        <p:nvPr/>
+      </p:nvGrpSpPr>
+      <p:grpSpPr>
+        <a:xfrm>
+          <a:off x="0" y="0"/>
+          <a:ext cx="0" cy="0"/>
+          <a:chOff x="0" y="0"/>
+          <a:chExt cx="0" cy="0"/>
+        </a:xfrm>
+      </p:grpSpPr>
+      <p:sp>
+        <p:nvSpPr>
           <p:cNvPr id="2" name="CasellaDiTesto 1">
             <a:extLst>
               <a:ext uri="{FF2B5EF4-FFF2-40B4-BE49-F238E27FC236}">
@@ -4226,7 +4424,7 @@
 </p:sld>
 </file>
 
-<file path=ppt/slides/slide11.xml><?xml version="1.0" encoding="utf-8"?>
+<file path=ppt/slides/slide12.xml><?xml version="1.0" encoding="utf-8"?>
 <p:sld xmlns:a="http://schemas.openxmlformats.org/drawingml/2006/main" xmlns:r="http://schemas.openxmlformats.org/officeDocument/2006/relationships" xmlns:p="http://schemas.openxmlformats.org/presentationml/2006/main">
   <p:cSld>
     <p:spTree>
@@ -5202,6 +5400,304 @@
 </file>
 
 <file path=ppt/slides/slide5.xml><?xml version="1.0" encoding="utf-8"?>
+<p:sld xmlns:a="http://schemas.openxmlformats.org/drawingml/2006/main" xmlns:r="http://schemas.openxmlformats.org/officeDocument/2006/relationships" xmlns:p="http://schemas.openxmlformats.org/presentationml/2006/main">
+  <p:cSld>
+    <p:spTree>
+      <p:nvGrpSpPr>
+        <p:cNvPr id="1" name=""/>
+        <p:cNvGrpSpPr/>
+        <p:nvPr/>
+      </p:nvGrpSpPr>
+      <p:grpSpPr>
+        <a:xfrm>
+          <a:off x="0" y="0"/>
+          <a:ext cx="0" cy="0"/>
+          <a:chOff x="0" y="0"/>
+          <a:chExt cx="0" cy="0"/>
+        </a:xfrm>
+      </p:grpSpPr>
+      <p:sp>
+        <p:nvSpPr>
+          <p:cNvPr id="4" name="Rettangolo 3">
+            <a:extLst>
+              <a:ext uri="{FF2B5EF4-FFF2-40B4-BE49-F238E27FC236}">
+                <a16:creationId xmlns:a16="http://schemas.microsoft.com/office/drawing/2014/main" id="{4DB5EF4F-2326-4C28-AAF5-1C431399CA5E}"/>
+              </a:ext>
+            </a:extLst>
+          </p:cNvPr>
+          <p:cNvSpPr/>
+          <p:nvPr/>
+        </p:nvSpPr>
+        <p:spPr>
+          <a:xfrm>
+            <a:off x="135117" y="-299345"/>
+            <a:ext cx="8726078" cy="5355312"/>
+          </a:xfrm>
+          <a:prstGeom prst="rect">
+            <a:avLst/>
+          </a:prstGeom>
+        </p:spPr>
+        <p:txBody>
+          <a:bodyPr wrap="square">
+            <a:spAutoFit/>
+          </a:bodyPr>
+          <a:lstStyle/>
+          <a:p>
+            <a:endParaRPr lang="it-IT" dirty="0"/>
+          </a:p>
+          <a:p>
+            <a:pPr marL="342900" indent="-342900">
+              <a:buAutoNum type="arabicPeriod" startAt="6"/>
+            </a:pPr>
+            <a:r>
+              <a:rPr lang="it-IT" dirty="0">
+                <a:solidFill>
+                  <a:srgbClr val="FF0000"/>
+                </a:solidFill>
+              </a:rPr>
+              <a:t>Accesso con </a:t>
+            </a:r>
+            <a:r>
+              <a:rPr lang="it-IT" dirty="0" err="1">
+                <a:solidFill>
+                  <a:srgbClr val="FF0000"/>
+                </a:solidFill>
+              </a:rPr>
+              <a:t>facebook</a:t>
+            </a:r>
+            <a:endParaRPr lang="it-IT" dirty="0">
+              <a:solidFill>
+                <a:srgbClr val="FF0000"/>
+              </a:solidFill>
+            </a:endParaRPr>
+          </a:p>
+          <a:p>
+            <a:pPr marL="342900" indent="-342900">
+              <a:buAutoNum type="arabicPeriod" startAt="6"/>
+            </a:pPr>
+            <a:r>
+              <a:rPr lang="it-IT" dirty="0">
+                <a:solidFill>
+                  <a:srgbClr val="FF0000"/>
+                </a:solidFill>
+              </a:rPr>
+              <a:t>Cambio password</a:t>
+            </a:r>
+          </a:p>
+          <a:p>
+            <a:pPr marL="342900" indent="-342900">
+              <a:buAutoNum type="arabicPeriod" startAt="6"/>
+            </a:pPr>
+            <a:r>
+              <a:rPr lang="it-IT" dirty="0">
+                <a:solidFill>
+                  <a:srgbClr val="FF0000"/>
+                </a:solidFill>
+              </a:rPr>
+              <a:t>Cancellazione account</a:t>
+            </a:r>
+          </a:p>
+          <a:p>
+            <a:pPr marL="342900" indent="-342900">
+              <a:buAutoNum type="arabicPeriod" startAt="6"/>
+            </a:pPr>
+            <a:r>
+              <a:rPr lang="it-IT" dirty="0">
+                <a:solidFill>
+                  <a:srgbClr val="FF0000"/>
+                </a:solidFill>
+              </a:rPr>
+              <a:t>Recupera password</a:t>
+            </a:r>
+          </a:p>
+          <a:p>
+            <a:pPr marL="342900" indent="-342900">
+              <a:buAutoNum type="arabicPeriod" startAt="6"/>
+            </a:pPr>
+            <a:r>
+              <a:rPr lang="it-IT" dirty="0">
+                <a:solidFill>
+                  <a:srgbClr val="FF0000"/>
+                </a:solidFill>
+              </a:rPr>
+              <a:t>Ricorda la password</a:t>
+            </a:r>
+          </a:p>
+          <a:p>
+            <a:pPr marL="342900" indent="-342900">
+              <a:buAutoNum type="arabicPeriod" startAt="6"/>
+            </a:pPr>
+            <a:r>
+              <a:rPr lang="it-IT" dirty="0" err="1">
+                <a:solidFill>
+                  <a:srgbClr val="FF0000"/>
+                </a:solidFill>
+              </a:rPr>
+              <a:t>Logout</a:t>
+            </a:r>
+            <a:endParaRPr lang="it-IT" dirty="0">
+              <a:solidFill>
+                <a:srgbClr val="FF0000"/>
+              </a:solidFill>
+            </a:endParaRPr>
+          </a:p>
+          <a:p>
+            <a:pPr marL="342900" indent="-342900">
+              <a:buAutoNum type="arabicPeriod" startAt="6"/>
+            </a:pPr>
+            <a:r>
+              <a:rPr lang="it-IT" dirty="0">
+                <a:solidFill>
+                  <a:srgbClr val="FF0000"/>
+                </a:solidFill>
+              </a:rPr>
+              <a:t>Aggiungimi ad un viaggio</a:t>
+            </a:r>
+          </a:p>
+          <a:p>
+            <a:pPr marL="342900" indent="-342900">
+              <a:buAutoNum type="arabicPeriod" startAt="6"/>
+            </a:pPr>
+            <a:r>
+              <a:rPr lang="it-IT" dirty="0">
+                <a:solidFill>
+                  <a:srgbClr val="FF0000"/>
+                </a:solidFill>
+              </a:rPr>
+              <a:t>Rimuovimi da un viaggio</a:t>
+            </a:r>
+          </a:p>
+          <a:p>
+            <a:pPr marL="342900" indent="-342900">
+              <a:buAutoNum type="arabicPeriod" startAt="6"/>
+            </a:pPr>
+            <a:r>
+              <a:rPr lang="it-IT" dirty="0">
+                <a:solidFill>
+                  <a:srgbClr val="FF0000"/>
+                </a:solidFill>
+              </a:rPr>
+              <a:t>Immagine del profilo</a:t>
+            </a:r>
+          </a:p>
+          <a:p>
+            <a:pPr marL="342900" indent="-342900">
+              <a:buAutoNum type="arabicPeriod" startAt="6"/>
+            </a:pPr>
+            <a:r>
+              <a:rPr lang="it-IT" dirty="0">
+                <a:solidFill>
+                  <a:srgbClr val="FF0000"/>
+                </a:solidFill>
+              </a:rPr>
+              <a:t>Ricerca viaggi … (vari criteri di ricerca </a:t>
+            </a:r>
+            <a:r>
+              <a:rPr lang="it-IT" dirty="0">
+                <a:solidFill>
+                  <a:srgbClr val="FF0000"/>
+                </a:solidFill>
+                <a:sym typeface="Wingdings" panose="05000000000000000000" pitchFamily="2" charset="2"/>
+              </a:rPr>
+              <a:t> varie user stories)</a:t>
+            </a:r>
+          </a:p>
+          <a:p>
+            <a:pPr marL="342900" indent="-342900">
+              <a:buAutoNum type="arabicPeriod" startAt="6"/>
+            </a:pPr>
+            <a:endParaRPr lang="it-IT" dirty="0">
+              <a:solidFill>
+                <a:srgbClr val="FF0000"/>
+              </a:solidFill>
+            </a:endParaRPr>
+          </a:p>
+          <a:p>
+            <a:pPr marL="342900" indent="-342900">
+              <a:buAutoNum type="arabicPeriod" startAt="6"/>
+            </a:pPr>
+            <a:endParaRPr lang="it-IT" dirty="0">
+              <a:solidFill>
+                <a:srgbClr val="FF0000"/>
+              </a:solidFill>
+            </a:endParaRPr>
+          </a:p>
+          <a:p>
+            <a:pPr marL="342900" indent="-342900">
+              <a:buAutoNum type="arabicPeriod" startAt="6"/>
+            </a:pPr>
+            <a:endParaRPr lang="it-IT" dirty="0">
+              <a:solidFill>
+                <a:srgbClr val="FF0000"/>
+              </a:solidFill>
+            </a:endParaRPr>
+          </a:p>
+          <a:p>
+            <a:pPr marL="342900" indent="-342900">
+              <a:buAutoNum type="arabicPeriod" startAt="6"/>
+            </a:pPr>
+            <a:endParaRPr lang="it-IT" dirty="0">
+              <a:solidFill>
+                <a:srgbClr val="FF0000"/>
+              </a:solidFill>
+            </a:endParaRPr>
+          </a:p>
+          <a:p>
+            <a:pPr marL="342900" indent="-342900">
+              <a:buAutoNum type="arabicPeriod" startAt="6"/>
+            </a:pPr>
+            <a:endParaRPr lang="it-IT" dirty="0">
+              <a:solidFill>
+                <a:srgbClr val="FF0000"/>
+              </a:solidFill>
+            </a:endParaRPr>
+          </a:p>
+          <a:p>
+            <a:pPr marL="342900" indent="-342900">
+              <a:buAutoNum type="arabicPeriod" startAt="6"/>
+            </a:pPr>
+            <a:endParaRPr lang="it-IT" dirty="0">
+              <a:solidFill>
+                <a:srgbClr val="FF0000"/>
+              </a:solidFill>
+            </a:endParaRPr>
+          </a:p>
+          <a:p>
+            <a:pPr marL="342900" indent="-342900">
+              <a:buAutoNum type="arabicPeriod" startAt="6"/>
+            </a:pPr>
+            <a:endParaRPr lang="it-IT" dirty="0">
+              <a:solidFill>
+                <a:srgbClr val="FF0000"/>
+              </a:solidFill>
+            </a:endParaRPr>
+          </a:p>
+          <a:p>
+            <a:pPr marL="342900" indent="-342900">
+              <a:buAutoNum type="arabicPeriod" startAt="6"/>
+            </a:pPr>
+            <a:endParaRPr lang="it-IT" dirty="0">
+              <a:solidFill>
+                <a:srgbClr val="FF0000"/>
+              </a:solidFill>
+            </a:endParaRPr>
+          </a:p>
+        </p:txBody>
+      </p:sp>
+    </p:spTree>
+    <p:extLst>
+      <p:ext uri="{BB962C8B-B14F-4D97-AF65-F5344CB8AC3E}">
+        <p14:creationId xmlns:p14="http://schemas.microsoft.com/office/powerpoint/2010/main" val="2972298581"/>
+      </p:ext>
+    </p:extLst>
+  </p:cSld>
+  <p:clrMapOvr>
+    <a:masterClrMapping/>
+  </p:clrMapOvr>
+</p:sld>
+</file>
+
+<file path=ppt/slides/slide6.xml><?xml version="1.0" encoding="utf-8"?>
 <p:sld xmlns:a="http://schemas.openxmlformats.org/drawingml/2006/main" xmlns:r="http://schemas.openxmlformats.org/officeDocument/2006/relationships" xmlns:p="http://schemas.openxmlformats.org/presentationml/2006/main">
   <p:cSld>
     <p:spTree>
@@ -6205,7 +6701,7 @@
 </p:sld>
 </file>
 
-<file path=ppt/slides/slide6.xml><?xml version="1.0" encoding="utf-8"?>
+<file path=ppt/slides/slide7.xml><?xml version="1.0" encoding="utf-8"?>
 <p:sld xmlns:a="http://schemas.openxmlformats.org/drawingml/2006/main" xmlns:r="http://schemas.openxmlformats.org/officeDocument/2006/relationships" xmlns:p="http://schemas.openxmlformats.org/presentationml/2006/main">
   <p:cSld>
     <p:spTree>
@@ -6708,7 +7204,7 @@
 </p:sld>
 </file>
 
-<file path=ppt/slides/slide7.xml><?xml version="1.0" encoding="utf-8"?>
+<file path=ppt/slides/slide8.xml><?xml version="1.0" encoding="utf-8"?>
 <p:sld xmlns:a="http://schemas.openxmlformats.org/drawingml/2006/main" xmlns:r="http://schemas.openxmlformats.org/officeDocument/2006/relationships" xmlns:p="http://schemas.openxmlformats.org/presentationml/2006/main">
   <p:cSld>
     <p:spTree>
@@ -6961,7 +7457,7 @@
 </p:sld>
 </file>
 
-<file path=ppt/slides/slide8.xml><?xml version="1.0" encoding="utf-8"?>
+<file path=ppt/slides/slide9.xml><?xml version="1.0" encoding="utf-8"?>
 <p:sld xmlns:a="http://schemas.openxmlformats.org/drawingml/2006/main" xmlns:r="http://schemas.openxmlformats.org/officeDocument/2006/relationships" xmlns:p="http://schemas.openxmlformats.org/presentationml/2006/main">
   <p:cSld>
     <p:spTree>
@@ -7549,203 +8045,6 @@
     <p:extLst>
       <p:ext uri="{BB962C8B-B14F-4D97-AF65-F5344CB8AC3E}">
         <p14:creationId xmlns:p14="http://schemas.microsoft.com/office/powerpoint/2010/main" val="4030323523"/>
-      </p:ext>
-    </p:extLst>
-  </p:cSld>
-  <p:clrMapOvr>
-    <a:masterClrMapping/>
-  </p:clrMapOvr>
-</p:sld>
-</file>
-
-<file path=ppt/slides/slide9.xml><?xml version="1.0" encoding="utf-8"?>
-<p:sld xmlns:a="http://schemas.openxmlformats.org/drawingml/2006/main" xmlns:r="http://schemas.openxmlformats.org/officeDocument/2006/relationships" xmlns:p="http://schemas.openxmlformats.org/presentationml/2006/main">
-  <p:cSld>
-    <p:spTree>
-      <p:nvGrpSpPr>
-        <p:cNvPr id="1" name=""/>
-        <p:cNvGrpSpPr/>
-        <p:nvPr/>
-      </p:nvGrpSpPr>
-      <p:grpSpPr>
-        <a:xfrm>
-          <a:off x="0" y="0"/>
-          <a:ext cx="0" cy="0"/>
-          <a:chOff x="0" y="0"/>
-          <a:chExt cx="0" cy="0"/>
-        </a:xfrm>
-      </p:grpSpPr>
-      <p:sp>
-        <p:nvSpPr>
-          <p:cNvPr id="4" name="CasellaDiTesto 3">
-            <a:extLst>
-              <a:ext uri="{FF2B5EF4-FFF2-40B4-BE49-F238E27FC236}">
-                <a16:creationId xmlns:a16="http://schemas.microsoft.com/office/drawing/2014/main" id="{72007BC2-D1F3-46BE-805A-EB84BB1D6A9A}"/>
-              </a:ext>
-            </a:extLst>
-          </p:cNvPr>
-          <p:cNvSpPr txBox="1"/>
-          <p:nvPr/>
-        </p:nvSpPr>
-        <p:spPr>
-          <a:xfrm>
-            <a:off x="2941163" y="641023"/>
-            <a:ext cx="5901179" cy="461665"/>
-          </a:xfrm>
-          <a:prstGeom prst="rect">
-            <a:avLst/>
-          </a:prstGeom>
-          <a:noFill/>
-        </p:spPr>
-        <p:txBody>
-          <a:bodyPr wrap="square" rtlCol="0">
-            <a:spAutoFit/>
-          </a:bodyPr>
-          <a:lstStyle/>
-          <a:p>
-            <a:r>
-              <a:rPr lang="it-IT" sz="2400" dirty="0">
-                <a:latin typeface="Aharoni" panose="02010803020104030203" pitchFamily="2" charset="-79"/>
-                <a:cs typeface="Aharoni" panose="02010803020104030203" pitchFamily="2" charset="-79"/>
-              </a:rPr>
-              <a:t>HA CLICCATO LASCIA UNA RECENSIONE </a:t>
-            </a:r>
-          </a:p>
-        </p:txBody>
-      </p:sp>
-      <p:sp>
-        <p:nvSpPr>
-          <p:cNvPr id="5" name="Rettangolo 4">
-            <a:extLst>
-              <a:ext uri="{FF2B5EF4-FFF2-40B4-BE49-F238E27FC236}">
-                <a16:creationId xmlns:a16="http://schemas.microsoft.com/office/drawing/2014/main" id="{850CFCFE-1278-469B-9369-3C204F4D0C33}"/>
-              </a:ext>
-            </a:extLst>
-          </p:cNvPr>
-          <p:cNvSpPr/>
-          <p:nvPr/>
-        </p:nvSpPr>
-        <p:spPr>
-          <a:xfrm>
-            <a:off x="3996965" y="1866507"/>
-            <a:ext cx="2828041" cy="1065229"/>
-          </a:xfrm>
-          <a:prstGeom prst="rect">
-            <a:avLst/>
-          </a:prstGeom>
-        </p:spPr>
-        <p:style>
-          <a:lnRef idx="2">
-            <a:schemeClr val="dk1"/>
-          </a:lnRef>
-          <a:fillRef idx="1">
-            <a:schemeClr val="lt1"/>
-          </a:fillRef>
-          <a:effectRef idx="0">
-            <a:schemeClr val="dk1"/>
-          </a:effectRef>
-          <a:fontRef idx="minor">
-            <a:schemeClr val="dk1"/>
-          </a:fontRef>
-        </p:style>
-        <p:txBody>
-          <a:bodyPr rtlCol="0" anchor="ctr"/>
-          <a:lstStyle/>
-          <a:p>
-            <a:pPr algn="ctr"/>
-            <a:r>
-              <a:rPr lang="it-IT" sz="4400" dirty="0">
-                <a:latin typeface="Aharoni" panose="02010803020104030203" pitchFamily="2" charset="-79"/>
-                <a:cs typeface="Aharoni" panose="02010803020104030203" pitchFamily="2" charset="-79"/>
-              </a:rPr>
-              <a:t>0</a:t>
-            </a:r>
-          </a:p>
-        </p:txBody>
-      </p:sp>
-      <p:sp>
-        <p:nvSpPr>
-          <p:cNvPr id="6" name="Fusione 5">
-            <a:extLst>
-              <a:ext uri="{FF2B5EF4-FFF2-40B4-BE49-F238E27FC236}">
-                <a16:creationId xmlns:a16="http://schemas.microsoft.com/office/drawing/2014/main" id="{F254C32E-C281-4674-9F94-DE7AFCBCCA65}"/>
-              </a:ext>
-            </a:extLst>
-          </p:cNvPr>
-          <p:cNvSpPr/>
-          <p:nvPr/>
-        </p:nvSpPr>
-        <p:spPr>
-          <a:xfrm>
-            <a:off x="6928701" y="1866507"/>
-            <a:ext cx="1432874" cy="1065229"/>
-          </a:xfrm>
-          <a:prstGeom prst="flowChartMerge">
-            <a:avLst/>
-          </a:prstGeom>
-        </p:spPr>
-        <p:style>
-          <a:lnRef idx="2">
-            <a:schemeClr val="dk1"/>
-          </a:lnRef>
-          <a:fillRef idx="1">
-            <a:schemeClr val="lt1"/>
-          </a:fillRef>
-          <a:effectRef idx="0">
-            <a:schemeClr val="dk1"/>
-          </a:effectRef>
-          <a:fontRef idx="minor">
-            <a:schemeClr val="dk1"/>
-          </a:fontRef>
-        </p:style>
-        <p:txBody>
-          <a:bodyPr rtlCol="0" anchor="ctr"/>
-          <a:lstStyle/>
-          <a:p>
-            <a:pPr algn="ctr"/>
-            <a:endParaRPr lang="it-IT"/>
-          </a:p>
-        </p:txBody>
-      </p:sp>
-      <p:sp>
-        <p:nvSpPr>
-          <p:cNvPr id="7" name="CasellaDiTesto 6">
-            <a:extLst>
-              <a:ext uri="{FF2B5EF4-FFF2-40B4-BE49-F238E27FC236}">
-                <a16:creationId xmlns:a16="http://schemas.microsoft.com/office/drawing/2014/main" id="{120CEB32-AA3F-4D8A-AE78-C3D86A12D396}"/>
-              </a:ext>
-            </a:extLst>
-          </p:cNvPr>
-          <p:cNvSpPr txBox="1"/>
-          <p:nvPr/>
-        </p:nvSpPr>
-        <p:spPr>
-          <a:xfrm>
-            <a:off x="3572759" y="3355942"/>
-            <a:ext cx="4873657" cy="1200329"/>
-          </a:xfrm>
-          <a:prstGeom prst="rect">
-            <a:avLst/>
-          </a:prstGeom>
-          <a:noFill/>
-        </p:spPr>
-        <p:txBody>
-          <a:bodyPr wrap="square" rtlCol="0">
-            <a:spAutoFit/>
-          </a:bodyPr>
-          <a:lstStyle/>
-          <a:p>
-            <a:r>
-              <a:rPr lang="it-IT" sz="2400" dirty="0"/>
-              <a:t>Cliccando la freccia si potrà scegliere un voto da 0 a 10 da assegnare all’utente che ha offerto il viaggio</a:t>
-            </a:r>
-          </a:p>
-        </p:txBody>
-      </p:sp>
-    </p:spTree>
-    <p:extLst>
-      <p:ext uri="{BB962C8B-B14F-4D97-AF65-F5344CB8AC3E}">
-        <p14:creationId xmlns:p14="http://schemas.microsoft.com/office/powerpoint/2010/main" val="2253316128"/>
       </p:ext>
     </p:extLst>
   </p:cSld>
